--- a/ppt 16-9/0270.再来奖赏.pptx
+++ b/ppt 16-9/0270.再来奖赏.pptx
@@ -5,7 +5,7 @@
     <p:sldMasterId id="2147483648" r:id="rId1"/>
   </p:sldMasterIdLst>
   <p:sldIdLst>
-    <p:sldId id="3130" r:id="rId2"/>
+    <p:sldId id="3132" r:id="rId2"/>
   </p:sldIdLst>
   <p:sldSz cx="12192000" cy="6858000"/>
   <p:notesSz cx="6858000" cy="9144000"/>
@@ -129,7 +129,7 @@
           <p:cNvPr id="2" name="标题 1">
             <a:extLst>
               <a:ext uri="{FF2B5EF4-FFF2-40B4-BE49-F238E27FC236}">
-                <a16:creationId xmlns:a16="http://schemas.microsoft.com/office/drawing/2014/main" id="{45E81F29-6702-0D59-5B74-01C9F853BB41}"/>
+                <a16:creationId xmlns:a16="http://schemas.microsoft.com/office/drawing/2014/main" id="{F545EE14-0587-983B-E6A5-E9EDBD0EB3FF}"/>
               </a:ext>
             </a:extLst>
           </p:cNvPr>
@@ -166,7 +166,7 @@
           <p:cNvPr id="3" name="副标题 2">
             <a:extLst>
               <a:ext uri="{FF2B5EF4-FFF2-40B4-BE49-F238E27FC236}">
-                <a16:creationId xmlns:a16="http://schemas.microsoft.com/office/drawing/2014/main" id="{9C085CF6-491E-3697-3399-4BB6BADAEFAA}"/>
+                <a16:creationId xmlns:a16="http://schemas.microsoft.com/office/drawing/2014/main" id="{EA09A77F-18C9-C95C-3278-F80CAA5B8294}"/>
               </a:ext>
             </a:extLst>
           </p:cNvPr>
@@ -236,7 +236,7 @@
           <p:cNvPr id="4" name="日期占位符 3">
             <a:extLst>
               <a:ext uri="{FF2B5EF4-FFF2-40B4-BE49-F238E27FC236}">
-                <a16:creationId xmlns:a16="http://schemas.microsoft.com/office/drawing/2014/main" id="{5BF6DD66-E72E-CB4D-A761-A8EB24E0AEBA}"/>
+                <a16:creationId xmlns:a16="http://schemas.microsoft.com/office/drawing/2014/main" id="{3330762C-D7C5-2066-03E3-517C65B0B057}"/>
               </a:ext>
             </a:extLst>
           </p:cNvPr>
@@ -252,7 +252,7 @@
           <a:bodyPr/>
           <a:lstStyle/>
           <a:p>
-            <a:fld id="{32D8F250-968E-4781-8F56-7AE289B1EA3C}" type="datetimeFigureOut">
+            <a:fld id="{0E381FAE-6A67-4C59-B6F2-2B64516B6FC7}" type="datetimeFigureOut">
               <a:rPr lang="zh-CN" altLang="en-US" smtClean="0"/>
               <a:t>2024/3/10</a:t>
             </a:fld>
@@ -265,7 +265,7 @@
           <p:cNvPr id="5" name="页脚占位符 4">
             <a:extLst>
               <a:ext uri="{FF2B5EF4-FFF2-40B4-BE49-F238E27FC236}">
-                <a16:creationId xmlns:a16="http://schemas.microsoft.com/office/drawing/2014/main" id="{60421581-10FB-C3A2-4F87-91D04E88ACA3}"/>
+                <a16:creationId xmlns:a16="http://schemas.microsoft.com/office/drawing/2014/main" id="{A7180E11-17A2-2BBF-771E-28445BDA4DD3}"/>
               </a:ext>
             </a:extLst>
           </p:cNvPr>
@@ -290,7 +290,7 @@
           <p:cNvPr id="6" name="灯片编号占位符 5">
             <a:extLst>
               <a:ext uri="{FF2B5EF4-FFF2-40B4-BE49-F238E27FC236}">
-                <a16:creationId xmlns:a16="http://schemas.microsoft.com/office/drawing/2014/main" id="{C21CC155-9656-9A47-0C19-5EE30E84A54D}"/>
+                <a16:creationId xmlns:a16="http://schemas.microsoft.com/office/drawing/2014/main" id="{5F764487-351A-2BCB-57DA-13EDEF1F1D6C}"/>
               </a:ext>
             </a:extLst>
           </p:cNvPr>
@@ -306,7 +306,7 @@
           <a:bodyPr/>
           <a:lstStyle/>
           <a:p>
-            <a:fld id="{27F655F8-9365-4EDE-947F-2C1B8722F448}" type="slidenum">
+            <a:fld id="{7F39682D-FDAC-43F1-BD1E-ADA49955D97F}" type="slidenum">
               <a:rPr lang="zh-CN" altLang="en-US" smtClean="0"/>
               <a:t>‹#›</a:t>
             </a:fld>
@@ -317,7 +317,7 @@
     </p:spTree>
     <p:extLst>
       <p:ext uri="{BB962C8B-B14F-4D97-AF65-F5344CB8AC3E}">
-        <p14:creationId xmlns:p14="http://schemas.microsoft.com/office/powerpoint/2010/main" val="3341496349"/>
+        <p14:creationId xmlns:p14="http://schemas.microsoft.com/office/powerpoint/2010/main" val="604974444"/>
       </p:ext>
     </p:extLst>
   </p:cSld>
@@ -349,7 +349,7 @@
           <p:cNvPr id="2" name="标题 1">
             <a:extLst>
               <a:ext uri="{FF2B5EF4-FFF2-40B4-BE49-F238E27FC236}">
-                <a16:creationId xmlns:a16="http://schemas.microsoft.com/office/drawing/2014/main" id="{0BBB7AFF-740C-4806-2A0C-3FCD9F1A0988}"/>
+                <a16:creationId xmlns:a16="http://schemas.microsoft.com/office/drawing/2014/main" id="{F01D7E1B-1858-336B-1252-CA03D11DA6DD}"/>
               </a:ext>
             </a:extLst>
           </p:cNvPr>
@@ -377,7 +377,7 @@
           <p:cNvPr id="3" name="竖排文字占位符 2">
             <a:extLst>
               <a:ext uri="{FF2B5EF4-FFF2-40B4-BE49-F238E27FC236}">
-                <a16:creationId xmlns:a16="http://schemas.microsoft.com/office/drawing/2014/main" id="{31E8E352-E776-3AB3-C3D6-5B2DF48CFEBA}"/>
+                <a16:creationId xmlns:a16="http://schemas.microsoft.com/office/drawing/2014/main" id="{84D12E34-3AB1-57C7-D4D2-BB7280F48065}"/>
               </a:ext>
             </a:extLst>
           </p:cNvPr>
@@ -434,7 +434,7 @@
           <p:cNvPr id="4" name="日期占位符 3">
             <a:extLst>
               <a:ext uri="{FF2B5EF4-FFF2-40B4-BE49-F238E27FC236}">
-                <a16:creationId xmlns:a16="http://schemas.microsoft.com/office/drawing/2014/main" id="{FC318D0A-3C30-746F-C30F-954FD65E3BAE}"/>
+                <a16:creationId xmlns:a16="http://schemas.microsoft.com/office/drawing/2014/main" id="{B6BA5358-BCF5-41B3-08EC-68D730FCEE50}"/>
               </a:ext>
             </a:extLst>
           </p:cNvPr>
@@ -450,7 +450,7 @@
           <a:bodyPr/>
           <a:lstStyle/>
           <a:p>
-            <a:fld id="{32D8F250-968E-4781-8F56-7AE289B1EA3C}" type="datetimeFigureOut">
+            <a:fld id="{0E381FAE-6A67-4C59-B6F2-2B64516B6FC7}" type="datetimeFigureOut">
               <a:rPr lang="zh-CN" altLang="en-US" smtClean="0"/>
               <a:t>2024/3/10</a:t>
             </a:fld>
@@ -463,7 +463,7 @@
           <p:cNvPr id="5" name="页脚占位符 4">
             <a:extLst>
               <a:ext uri="{FF2B5EF4-FFF2-40B4-BE49-F238E27FC236}">
-                <a16:creationId xmlns:a16="http://schemas.microsoft.com/office/drawing/2014/main" id="{B32D9808-0F61-A917-70C2-200EFBBD3751}"/>
+                <a16:creationId xmlns:a16="http://schemas.microsoft.com/office/drawing/2014/main" id="{4A01AC21-5397-742D-0619-6CB5B3761A67}"/>
               </a:ext>
             </a:extLst>
           </p:cNvPr>
@@ -488,7 +488,7 @@
           <p:cNvPr id="6" name="灯片编号占位符 5">
             <a:extLst>
               <a:ext uri="{FF2B5EF4-FFF2-40B4-BE49-F238E27FC236}">
-                <a16:creationId xmlns:a16="http://schemas.microsoft.com/office/drawing/2014/main" id="{35E1E713-63E0-4CE0-D8A5-105450815D61}"/>
+                <a16:creationId xmlns:a16="http://schemas.microsoft.com/office/drawing/2014/main" id="{E14D6BDA-7903-0853-9DC7-945FD23692E9}"/>
               </a:ext>
             </a:extLst>
           </p:cNvPr>
@@ -504,7 +504,7 @@
           <a:bodyPr/>
           <a:lstStyle/>
           <a:p>
-            <a:fld id="{27F655F8-9365-4EDE-947F-2C1B8722F448}" type="slidenum">
+            <a:fld id="{7F39682D-FDAC-43F1-BD1E-ADA49955D97F}" type="slidenum">
               <a:rPr lang="zh-CN" altLang="en-US" smtClean="0"/>
               <a:t>‹#›</a:t>
             </a:fld>
@@ -515,7 +515,7 @@
     </p:spTree>
     <p:extLst>
       <p:ext uri="{BB962C8B-B14F-4D97-AF65-F5344CB8AC3E}">
-        <p14:creationId xmlns:p14="http://schemas.microsoft.com/office/powerpoint/2010/main" val="1559185425"/>
+        <p14:creationId xmlns:p14="http://schemas.microsoft.com/office/powerpoint/2010/main" val="1074892160"/>
       </p:ext>
     </p:extLst>
   </p:cSld>
@@ -547,7 +547,7 @@
           <p:cNvPr id="2" name="竖排标题 1">
             <a:extLst>
               <a:ext uri="{FF2B5EF4-FFF2-40B4-BE49-F238E27FC236}">
-                <a16:creationId xmlns:a16="http://schemas.microsoft.com/office/drawing/2014/main" id="{A7FCEBF5-E329-45C5-0F10-92A4863A2B18}"/>
+                <a16:creationId xmlns:a16="http://schemas.microsoft.com/office/drawing/2014/main" id="{632A8F1D-BF17-5CC2-0B45-E7B05F8B7C32}"/>
               </a:ext>
             </a:extLst>
           </p:cNvPr>
@@ -580,7 +580,7 @@
           <p:cNvPr id="3" name="竖排文字占位符 2">
             <a:extLst>
               <a:ext uri="{FF2B5EF4-FFF2-40B4-BE49-F238E27FC236}">
-                <a16:creationId xmlns:a16="http://schemas.microsoft.com/office/drawing/2014/main" id="{3267FA16-496E-E24D-41CD-50893D69898F}"/>
+                <a16:creationId xmlns:a16="http://schemas.microsoft.com/office/drawing/2014/main" id="{21DE6BA5-991E-9270-2D77-CE9BA78B31B3}"/>
               </a:ext>
             </a:extLst>
           </p:cNvPr>
@@ -642,7 +642,7 @@
           <p:cNvPr id="4" name="日期占位符 3">
             <a:extLst>
               <a:ext uri="{FF2B5EF4-FFF2-40B4-BE49-F238E27FC236}">
-                <a16:creationId xmlns:a16="http://schemas.microsoft.com/office/drawing/2014/main" id="{F5AF84C6-4D46-4CD0-D945-28809610B9EA}"/>
+                <a16:creationId xmlns:a16="http://schemas.microsoft.com/office/drawing/2014/main" id="{9ED44E46-7622-BCB0-250C-F4E6C0BBEE9E}"/>
               </a:ext>
             </a:extLst>
           </p:cNvPr>
@@ -658,7 +658,7 @@
           <a:bodyPr/>
           <a:lstStyle/>
           <a:p>
-            <a:fld id="{32D8F250-968E-4781-8F56-7AE289B1EA3C}" type="datetimeFigureOut">
+            <a:fld id="{0E381FAE-6A67-4C59-B6F2-2B64516B6FC7}" type="datetimeFigureOut">
               <a:rPr lang="zh-CN" altLang="en-US" smtClean="0"/>
               <a:t>2024/3/10</a:t>
             </a:fld>
@@ -671,7 +671,7 @@
           <p:cNvPr id="5" name="页脚占位符 4">
             <a:extLst>
               <a:ext uri="{FF2B5EF4-FFF2-40B4-BE49-F238E27FC236}">
-                <a16:creationId xmlns:a16="http://schemas.microsoft.com/office/drawing/2014/main" id="{FF5EFB2F-E4D8-F61A-3703-ACEC4A862113}"/>
+                <a16:creationId xmlns:a16="http://schemas.microsoft.com/office/drawing/2014/main" id="{81F0872A-DCD0-21C1-CA25-4AB60372950E}"/>
               </a:ext>
             </a:extLst>
           </p:cNvPr>
@@ -696,7 +696,7 @@
           <p:cNvPr id="6" name="灯片编号占位符 5">
             <a:extLst>
               <a:ext uri="{FF2B5EF4-FFF2-40B4-BE49-F238E27FC236}">
-                <a16:creationId xmlns:a16="http://schemas.microsoft.com/office/drawing/2014/main" id="{46A0A69A-6E9F-CADE-928C-22766527C2D3}"/>
+                <a16:creationId xmlns:a16="http://schemas.microsoft.com/office/drawing/2014/main" id="{BB972028-64A7-0AD0-2912-1D871E02475A}"/>
               </a:ext>
             </a:extLst>
           </p:cNvPr>
@@ -712,7 +712,7 @@
           <a:bodyPr/>
           <a:lstStyle/>
           <a:p>
-            <a:fld id="{27F655F8-9365-4EDE-947F-2C1B8722F448}" type="slidenum">
+            <a:fld id="{7F39682D-FDAC-43F1-BD1E-ADA49955D97F}" type="slidenum">
               <a:rPr lang="zh-CN" altLang="en-US" smtClean="0"/>
               <a:t>‹#›</a:t>
             </a:fld>
@@ -723,7 +723,7 @@
     </p:spTree>
     <p:extLst>
       <p:ext uri="{BB962C8B-B14F-4D97-AF65-F5344CB8AC3E}">
-        <p14:creationId xmlns:p14="http://schemas.microsoft.com/office/powerpoint/2010/main" val="2379654635"/>
+        <p14:creationId xmlns:p14="http://schemas.microsoft.com/office/powerpoint/2010/main" val="2160572081"/>
       </p:ext>
     </p:extLst>
   </p:cSld>
@@ -755,7 +755,7 @@
           <p:cNvPr id="2" name="标题 1">
             <a:extLst>
               <a:ext uri="{FF2B5EF4-FFF2-40B4-BE49-F238E27FC236}">
-                <a16:creationId xmlns:a16="http://schemas.microsoft.com/office/drawing/2014/main" id="{F9C2CEBC-1558-5042-7FFC-C25EB13EFAFC}"/>
+                <a16:creationId xmlns:a16="http://schemas.microsoft.com/office/drawing/2014/main" id="{81AC7377-689D-31A2-8950-60752ADC9D81}"/>
               </a:ext>
             </a:extLst>
           </p:cNvPr>
@@ -783,7 +783,7 @@
           <p:cNvPr id="3" name="内容占位符 2">
             <a:extLst>
               <a:ext uri="{FF2B5EF4-FFF2-40B4-BE49-F238E27FC236}">
-                <a16:creationId xmlns:a16="http://schemas.microsoft.com/office/drawing/2014/main" id="{0A6303AC-7B2C-E44A-0D6D-F56A8438688F}"/>
+                <a16:creationId xmlns:a16="http://schemas.microsoft.com/office/drawing/2014/main" id="{FEBEA47E-A522-218C-4734-B7F9D6C0C69C}"/>
               </a:ext>
             </a:extLst>
           </p:cNvPr>
@@ -840,7 +840,7 @@
           <p:cNvPr id="4" name="日期占位符 3">
             <a:extLst>
               <a:ext uri="{FF2B5EF4-FFF2-40B4-BE49-F238E27FC236}">
-                <a16:creationId xmlns:a16="http://schemas.microsoft.com/office/drawing/2014/main" id="{68D13FD7-8340-DFBC-F95A-91FD58B1C7D0}"/>
+                <a16:creationId xmlns:a16="http://schemas.microsoft.com/office/drawing/2014/main" id="{780CD825-80E9-7DF3-248B-A669F1A7DC42}"/>
               </a:ext>
             </a:extLst>
           </p:cNvPr>
@@ -856,7 +856,7 @@
           <a:bodyPr/>
           <a:lstStyle/>
           <a:p>
-            <a:fld id="{32D8F250-968E-4781-8F56-7AE289B1EA3C}" type="datetimeFigureOut">
+            <a:fld id="{0E381FAE-6A67-4C59-B6F2-2B64516B6FC7}" type="datetimeFigureOut">
               <a:rPr lang="zh-CN" altLang="en-US" smtClean="0"/>
               <a:t>2024/3/10</a:t>
             </a:fld>
@@ -869,7 +869,7 @@
           <p:cNvPr id="5" name="页脚占位符 4">
             <a:extLst>
               <a:ext uri="{FF2B5EF4-FFF2-40B4-BE49-F238E27FC236}">
-                <a16:creationId xmlns:a16="http://schemas.microsoft.com/office/drawing/2014/main" id="{8B85D4EB-DF6C-5F92-C288-F98214607403}"/>
+                <a16:creationId xmlns:a16="http://schemas.microsoft.com/office/drawing/2014/main" id="{803B6D30-7A5D-1D12-8742-169D88E5F3E3}"/>
               </a:ext>
             </a:extLst>
           </p:cNvPr>
@@ -894,7 +894,7 @@
           <p:cNvPr id="6" name="灯片编号占位符 5">
             <a:extLst>
               <a:ext uri="{FF2B5EF4-FFF2-40B4-BE49-F238E27FC236}">
-                <a16:creationId xmlns:a16="http://schemas.microsoft.com/office/drawing/2014/main" id="{721FC36F-C1D2-A9CA-C0BD-D7DF87CB3F14}"/>
+                <a16:creationId xmlns:a16="http://schemas.microsoft.com/office/drawing/2014/main" id="{2B038334-4EF7-0DD3-9FD6-117A0B9A2E7C}"/>
               </a:ext>
             </a:extLst>
           </p:cNvPr>
@@ -910,7 +910,7 @@
           <a:bodyPr/>
           <a:lstStyle/>
           <a:p>
-            <a:fld id="{27F655F8-9365-4EDE-947F-2C1B8722F448}" type="slidenum">
+            <a:fld id="{7F39682D-FDAC-43F1-BD1E-ADA49955D97F}" type="slidenum">
               <a:rPr lang="zh-CN" altLang="en-US" smtClean="0"/>
               <a:t>‹#›</a:t>
             </a:fld>
@@ -921,7 +921,7 @@
     </p:spTree>
     <p:extLst>
       <p:ext uri="{BB962C8B-B14F-4D97-AF65-F5344CB8AC3E}">
-        <p14:creationId xmlns:p14="http://schemas.microsoft.com/office/powerpoint/2010/main" val="2398236800"/>
+        <p14:creationId xmlns:p14="http://schemas.microsoft.com/office/powerpoint/2010/main" val="3763850958"/>
       </p:ext>
     </p:extLst>
   </p:cSld>
@@ -953,7 +953,7 @@
           <p:cNvPr id="2" name="标题 1">
             <a:extLst>
               <a:ext uri="{FF2B5EF4-FFF2-40B4-BE49-F238E27FC236}">
-                <a16:creationId xmlns:a16="http://schemas.microsoft.com/office/drawing/2014/main" id="{55A5C692-BBD4-88C4-BB44-30FBFE301E5E}"/>
+                <a16:creationId xmlns:a16="http://schemas.microsoft.com/office/drawing/2014/main" id="{78A39780-7AD7-7E29-3C9E-74635EB50172}"/>
               </a:ext>
             </a:extLst>
           </p:cNvPr>
@@ -990,7 +990,7 @@
           <p:cNvPr id="3" name="文本占位符 2">
             <a:extLst>
               <a:ext uri="{FF2B5EF4-FFF2-40B4-BE49-F238E27FC236}">
-                <a16:creationId xmlns:a16="http://schemas.microsoft.com/office/drawing/2014/main" id="{86C3F842-E475-F895-543F-FF1EF3BABF12}"/>
+                <a16:creationId xmlns:a16="http://schemas.microsoft.com/office/drawing/2014/main" id="{026CFB70-2885-589D-E10B-1369923EB809}"/>
               </a:ext>
             </a:extLst>
           </p:cNvPr>
@@ -1115,7 +1115,7 @@
           <p:cNvPr id="4" name="日期占位符 3">
             <a:extLst>
               <a:ext uri="{FF2B5EF4-FFF2-40B4-BE49-F238E27FC236}">
-                <a16:creationId xmlns:a16="http://schemas.microsoft.com/office/drawing/2014/main" id="{4079E3F6-413D-4AF3-5CD3-A0B0FFEDAF1F}"/>
+                <a16:creationId xmlns:a16="http://schemas.microsoft.com/office/drawing/2014/main" id="{FB1F2794-6A29-24E9-EB91-89AACD0C713A}"/>
               </a:ext>
             </a:extLst>
           </p:cNvPr>
@@ -1131,7 +1131,7 @@
           <a:bodyPr/>
           <a:lstStyle/>
           <a:p>
-            <a:fld id="{32D8F250-968E-4781-8F56-7AE289B1EA3C}" type="datetimeFigureOut">
+            <a:fld id="{0E381FAE-6A67-4C59-B6F2-2B64516B6FC7}" type="datetimeFigureOut">
               <a:rPr lang="zh-CN" altLang="en-US" smtClean="0"/>
               <a:t>2024/3/10</a:t>
             </a:fld>
@@ -1144,7 +1144,7 @@
           <p:cNvPr id="5" name="页脚占位符 4">
             <a:extLst>
               <a:ext uri="{FF2B5EF4-FFF2-40B4-BE49-F238E27FC236}">
-                <a16:creationId xmlns:a16="http://schemas.microsoft.com/office/drawing/2014/main" id="{78F6E298-AD92-26C8-F4A8-18B523B63B7E}"/>
+                <a16:creationId xmlns:a16="http://schemas.microsoft.com/office/drawing/2014/main" id="{6846CD7A-0A7A-9BB7-C01B-168896897BE4}"/>
               </a:ext>
             </a:extLst>
           </p:cNvPr>
@@ -1169,7 +1169,7 @@
           <p:cNvPr id="6" name="灯片编号占位符 5">
             <a:extLst>
               <a:ext uri="{FF2B5EF4-FFF2-40B4-BE49-F238E27FC236}">
-                <a16:creationId xmlns:a16="http://schemas.microsoft.com/office/drawing/2014/main" id="{AACAC608-C22E-E735-9AA3-46F5AC8A05FA}"/>
+                <a16:creationId xmlns:a16="http://schemas.microsoft.com/office/drawing/2014/main" id="{93FF31D5-FF84-0F1B-A446-BC591C9397E4}"/>
               </a:ext>
             </a:extLst>
           </p:cNvPr>
@@ -1185,7 +1185,7 @@
           <a:bodyPr/>
           <a:lstStyle/>
           <a:p>
-            <a:fld id="{27F655F8-9365-4EDE-947F-2C1B8722F448}" type="slidenum">
+            <a:fld id="{7F39682D-FDAC-43F1-BD1E-ADA49955D97F}" type="slidenum">
               <a:rPr lang="zh-CN" altLang="en-US" smtClean="0"/>
               <a:t>‹#›</a:t>
             </a:fld>
@@ -1196,7 +1196,7 @@
     </p:spTree>
     <p:extLst>
       <p:ext uri="{BB962C8B-B14F-4D97-AF65-F5344CB8AC3E}">
-        <p14:creationId xmlns:p14="http://schemas.microsoft.com/office/powerpoint/2010/main" val="3094222864"/>
+        <p14:creationId xmlns:p14="http://schemas.microsoft.com/office/powerpoint/2010/main" val="348651855"/>
       </p:ext>
     </p:extLst>
   </p:cSld>
@@ -1228,7 +1228,7 @@
           <p:cNvPr id="2" name="标题 1">
             <a:extLst>
               <a:ext uri="{FF2B5EF4-FFF2-40B4-BE49-F238E27FC236}">
-                <a16:creationId xmlns:a16="http://schemas.microsoft.com/office/drawing/2014/main" id="{972A621E-6AB3-07B6-A392-BCB301A16957}"/>
+                <a16:creationId xmlns:a16="http://schemas.microsoft.com/office/drawing/2014/main" id="{B976C9FE-5EB7-6430-734C-284E27FC1E2A}"/>
               </a:ext>
             </a:extLst>
           </p:cNvPr>
@@ -1256,7 +1256,7 @@
           <p:cNvPr id="3" name="内容占位符 2">
             <a:extLst>
               <a:ext uri="{FF2B5EF4-FFF2-40B4-BE49-F238E27FC236}">
-                <a16:creationId xmlns:a16="http://schemas.microsoft.com/office/drawing/2014/main" id="{994D55A1-E3DF-5AC5-AA68-7242A3559375}"/>
+                <a16:creationId xmlns:a16="http://schemas.microsoft.com/office/drawing/2014/main" id="{067A4CB9-8471-4FBA-0C39-064B0109CFB0}"/>
               </a:ext>
             </a:extLst>
           </p:cNvPr>
@@ -1318,7 +1318,7 @@
           <p:cNvPr id="4" name="内容占位符 3">
             <a:extLst>
               <a:ext uri="{FF2B5EF4-FFF2-40B4-BE49-F238E27FC236}">
-                <a16:creationId xmlns:a16="http://schemas.microsoft.com/office/drawing/2014/main" id="{F5E20A36-70BA-A881-BD97-DAEDF7D959AC}"/>
+                <a16:creationId xmlns:a16="http://schemas.microsoft.com/office/drawing/2014/main" id="{07DE48B1-CB22-A2E7-AA24-2B3F41CE3F1D}"/>
               </a:ext>
             </a:extLst>
           </p:cNvPr>
@@ -1380,7 +1380,7 @@
           <p:cNvPr id="5" name="日期占位符 4">
             <a:extLst>
               <a:ext uri="{FF2B5EF4-FFF2-40B4-BE49-F238E27FC236}">
-                <a16:creationId xmlns:a16="http://schemas.microsoft.com/office/drawing/2014/main" id="{0158F90E-28E0-FB9A-60D8-BE45AD8700F4}"/>
+                <a16:creationId xmlns:a16="http://schemas.microsoft.com/office/drawing/2014/main" id="{FF7F3268-C3EA-FDEA-422C-5422B7E6CA0B}"/>
               </a:ext>
             </a:extLst>
           </p:cNvPr>
@@ -1396,7 +1396,7 @@
           <a:bodyPr/>
           <a:lstStyle/>
           <a:p>
-            <a:fld id="{32D8F250-968E-4781-8F56-7AE289B1EA3C}" type="datetimeFigureOut">
+            <a:fld id="{0E381FAE-6A67-4C59-B6F2-2B64516B6FC7}" type="datetimeFigureOut">
               <a:rPr lang="zh-CN" altLang="en-US" smtClean="0"/>
               <a:t>2024/3/10</a:t>
             </a:fld>
@@ -1409,7 +1409,7 @@
           <p:cNvPr id="6" name="页脚占位符 5">
             <a:extLst>
               <a:ext uri="{FF2B5EF4-FFF2-40B4-BE49-F238E27FC236}">
-                <a16:creationId xmlns:a16="http://schemas.microsoft.com/office/drawing/2014/main" id="{113B9766-A176-F9DF-39E7-16958170775B}"/>
+                <a16:creationId xmlns:a16="http://schemas.microsoft.com/office/drawing/2014/main" id="{07887A76-1BDD-4C8A-D88D-5749AC7F7DE4}"/>
               </a:ext>
             </a:extLst>
           </p:cNvPr>
@@ -1434,7 +1434,7 @@
           <p:cNvPr id="7" name="灯片编号占位符 6">
             <a:extLst>
               <a:ext uri="{FF2B5EF4-FFF2-40B4-BE49-F238E27FC236}">
-                <a16:creationId xmlns:a16="http://schemas.microsoft.com/office/drawing/2014/main" id="{C74874D6-04D0-2AAB-C01C-DDC7AA57FC2B}"/>
+                <a16:creationId xmlns:a16="http://schemas.microsoft.com/office/drawing/2014/main" id="{7E077B88-C868-E5F8-9F3E-3E064A5DA70B}"/>
               </a:ext>
             </a:extLst>
           </p:cNvPr>
@@ -1450,7 +1450,7 @@
           <a:bodyPr/>
           <a:lstStyle/>
           <a:p>
-            <a:fld id="{27F655F8-9365-4EDE-947F-2C1B8722F448}" type="slidenum">
+            <a:fld id="{7F39682D-FDAC-43F1-BD1E-ADA49955D97F}" type="slidenum">
               <a:rPr lang="zh-CN" altLang="en-US" smtClean="0"/>
               <a:t>‹#›</a:t>
             </a:fld>
@@ -1461,7 +1461,7 @@
     </p:spTree>
     <p:extLst>
       <p:ext uri="{BB962C8B-B14F-4D97-AF65-F5344CB8AC3E}">
-        <p14:creationId xmlns:p14="http://schemas.microsoft.com/office/powerpoint/2010/main" val="3990204743"/>
+        <p14:creationId xmlns:p14="http://schemas.microsoft.com/office/powerpoint/2010/main" val="4055478508"/>
       </p:ext>
     </p:extLst>
   </p:cSld>
@@ -1493,7 +1493,7 @@
           <p:cNvPr id="2" name="标题 1">
             <a:extLst>
               <a:ext uri="{FF2B5EF4-FFF2-40B4-BE49-F238E27FC236}">
-                <a16:creationId xmlns:a16="http://schemas.microsoft.com/office/drawing/2014/main" id="{D526A08B-1204-0827-C57E-35F18AB9F9D5}"/>
+                <a16:creationId xmlns:a16="http://schemas.microsoft.com/office/drawing/2014/main" id="{AE41BBAE-CC0B-EC4D-4B31-44E157227E13}"/>
               </a:ext>
             </a:extLst>
           </p:cNvPr>
@@ -1526,7 +1526,7 @@
           <p:cNvPr id="3" name="文本占位符 2">
             <a:extLst>
               <a:ext uri="{FF2B5EF4-FFF2-40B4-BE49-F238E27FC236}">
-                <a16:creationId xmlns:a16="http://schemas.microsoft.com/office/drawing/2014/main" id="{ECE9F633-ECF1-55AE-A629-293434918AFF}"/>
+                <a16:creationId xmlns:a16="http://schemas.microsoft.com/office/drawing/2014/main" id="{E88BB2BA-F255-6BFF-D9E1-58BBED13C8A5}"/>
               </a:ext>
             </a:extLst>
           </p:cNvPr>
@@ -1597,7 +1597,7 @@
           <p:cNvPr id="4" name="内容占位符 3">
             <a:extLst>
               <a:ext uri="{FF2B5EF4-FFF2-40B4-BE49-F238E27FC236}">
-                <a16:creationId xmlns:a16="http://schemas.microsoft.com/office/drawing/2014/main" id="{891728FF-473E-2FCE-DF29-767DC59273FF}"/>
+                <a16:creationId xmlns:a16="http://schemas.microsoft.com/office/drawing/2014/main" id="{3B262157-F0E3-4F92-8041-9708CEB268DE}"/>
               </a:ext>
             </a:extLst>
           </p:cNvPr>
@@ -1659,7 +1659,7 @@
           <p:cNvPr id="5" name="文本占位符 4">
             <a:extLst>
               <a:ext uri="{FF2B5EF4-FFF2-40B4-BE49-F238E27FC236}">
-                <a16:creationId xmlns:a16="http://schemas.microsoft.com/office/drawing/2014/main" id="{75003318-4EDE-5F37-4F25-BAFD994B2470}"/>
+                <a16:creationId xmlns:a16="http://schemas.microsoft.com/office/drawing/2014/main" id="{848BDFF0-BD66-6D5C-CCE8-8861D2243634}"/>
               </a:ext>
             </a:extLst>
           </p:cNvPr>
@@ -1730,7 +1730,7 @@
           <p:cNvPr id="6" name="内容占位符 5">
             <a:extLst>
               <a:ext uri="{FF2B5EF4-FFF2-40B4-BE49-F238E27FC236}">
-                <a16:creationId xmlns:a16="http://schemas.microsoft.com/office/drawing/2014/main" id="{C756D3FE-84C5-8023-29EC-049169A3527B}"/>
+                <a16:creationId xmlns:a16="http://schemas.microsoft.com/office/drawing/2014/main" id="{C2A3B3B5-6363-E690-AAF0-72A20248BB06}"/>
               </a:ext>
             </a:extLst>
           </p:cNvPr>
@@ -1792,7 +1792,7 @@
           <p:cNvPr id="7" name="日期占位符 6">
             <a:extLst>
               <a:ext uri="{FF2B5EF4-FFF2-40B4-BE49-F238E27FC236}">
-                <a16:creationId xmlns:a16="http://schemas.microsoft.com/office/drawing/2014/main" id="{69E72393-1D76-9F73-B0AE-526B4F2304F2}"/>
+                <a16:creationId xmlns:a16="http://schemas.microsoft.com/office/drawing/2014/main" id="{BCF643B6-F5B0-A898-F01B-350D4E7A9C2C}"/>
               </a:ext>
             </a:extLst>
           </p:cNvPr>
@@ -1808,7 +1808,7 @@
           <a:bodyPr/>
           <a:lstStyle/>
           <a:p>
-            <a:fld id="{32D8F250-968E-4781-8F56-7AE289B1EA3C}" type="datetimeFigureOut">
+            <a:fld id="{0E381FAE-6A67-4C59-B6F2-2B64516B6FC7}" type="datetimeFigureOut">
               <a:rPr lang="zh-CN" altLang="en-US" smtClean="0"/>
               <a:t>2024/3/10</a:t>
             </a:fld>
@@ -1821,7 +1821,7 @@
           <p:cNvPr id="8" name="页脚占位符 7">
             <a:extLst>
               <a:ext uri="{FF2B5EF4-FFF2-40B4-BE49-F238E27FC236}">
-                <a16:creationId xmlns:a16="http://schemas.microsoft.com/office/drawing/2014/main" id="{2A462BEF-22D5-25B2-99CB-1304202925B4}"/>
+                <a16:creationId xmlns:a16="http://schemas.microsoft.com/office/drawing/2014/main" id="{DBAE34C1-6AB1-3027-E3BE-173F4C1E431F}"/>
               </a:ext>
             </a:extLst>
           </p:cNvPr>
@@ -1846,7 +1846,7 @@
           <p:cNvPr id="9" name="灯片编号占位符 8">
             <a:extLst>
               <a:ext uri="{FF2B5EF4-FFF2-40B4-BE49-F238E27FC236}">
-                <a16:creationId xmlns:a16="http://schemas.microsoft.com/office/drawing/2014/main" id="{987D37D4-10C4-0BB0-CD09-963F950FB1BC}"/>
+                <a16:creationId xmlns:a16="http://schemas.microsoft.com/office/drawing/2014/main" id="{158616AA-E97C-5963-5D9A-70302E0504AA}"/>
               </a:ext>
             </a:extLst>
           </p:cNvPr>
@@ -1862,7 +1862,7 @@
           <a:bodyPr/>
           <a:lstStyle/>
           <a:p>
-            <a:fld id="{27F655F8-9365-4EDE-947F-2C1B8722F448}" type="slidenum">
+            <a:fld id="{7F39682D-FDAC-43F1-BD1E-ADA49955D97F}" type="slidenum">
               <a:rPr lang="zh-CN" altLang="en-US" smtClean="0"/>
               <a:t>‹#›</a:t>
             </a:fld>
@@ -1873,7 +1873,7 @@
     </p:spTree>
     <p:extLst>
       <p:ext uri="{BB962C8B-B14F-4D97-AF65-F5344CB8AC3E}">
-        <p14:creationId xmlns:p14="http://schemas.microsoft.com/office/powerpoint/2010/main" val="1422543714"/>
+        <p14:creationId xmlns:p14="http://schemas.microsoft.com/office/powerpoint/2010/main" val="2640954012"/>
       </p:ext>
     </p:extLst>
   </p:cSld>
@@ -1905,7 +1905,7 @@
           <p:cNvPr id="2" name="标题 1">
             <a:extLst>
               <a:ext uri="{FF2B5EF4-FFF2-40B4-BE49-F238E27FC236}">
-                <a16:creationId xmlns:a16="http://schemas.microsoft.com/office/drawing/2014/main" id="{5209A874-7D2A-17F3-452D-F862098BB66E}"/>
+                <a16:creationId xmlns:a16="http://schemas.microsoft.com/office/drawing/2014/main" id="{0BAC397B-D033-85A9-610C-799DEF277074}"/>
               </a:ext>
             </a:extLst>
           </p:cNvPr>
@@ -1933,7 +1933,7 @@
           <p:cNvPr id="3" name="日期占位符 2">
             <a:extLst>
               <a:ext uri="{FF2B5EF4-FFF2-40B4-BE49-F238E27FC236}">
-                <a16:creationId xmlns:a16="http://schemas.microsoft.com/office/drawing/2014/main" id="{8C606E17-1419-B350-055F-A1D5732949D7}"/>
+                <a16:creationId xmlns:a16="http://schemas.microsoft.com/office/drawing/2014/main" id="{8A93681E-FBE3-5B5F-294E-3C0F3802D74F}"/>
               </a:ext>
             </a:extLst>
           </p:cNvPr>
@@ -1949,7 +1949,7 @@
           <a:bodyPr/>
           <a:lstStyle/>
           <a:p>
-            <a:fld id="{32D8F250-968E-4781-8F56-7AE289B1EA3C}" type="datetimeFigureOut">
+            <a:fld id="{0E381FAE-6A67-4C59-B6F2-2B64516B6FC7}" type="datetimeFigureOut">
               <a:rPr lang="zh-CN" altLang="en-US" smtClean="0"/>
               <a:t>2024/3/10</a:t>
             </a:fld>
@@ -1962,7 +1962,7 @@
           <p:cNvPr id="4" name="页脚占位符 3">
             <a:extLst>
               <a:ext uri="{FF2B5EF4-FFF2-40B4-BE49-F238E27FC236}">
-                <a16:creationId xmlns:a16="http://schemas.microsoft.com/office/drawing/2014/main" id="{0A8773E7-8976-54CC-ECAC-6E2347FF6090}"/>
+                <a16:creationId xmlns:a16="http://schemas.microsoft.com/office/drawing/2014/main" id="{09EB061E-07C3-2FED-9088-8E2DF64ECE22}"/>
               </a:ext>
             </a:extLst>
           </p:cNvPr>
@@ -1987,7 +1987,7 @@
           <p:cNvPr id="5" name="灯片编号占位符 4">
             <a:extLst>
               <a:ext uri="{FF2B5EF4-FFF2-40B4-BE49-F238E27FC236}">
-                <a16:creationId xmlns:a16="http://schemas.microsoft.com/office/drawing/2014/main" id="{141243F0-2A34-F6CF-DD8A-654C480F4CA9}"/>
+                <a16:creationId xmlns:a16="http://schemas.microsoft.com/office/drawing/2014/main" id="{2820A015-1EB0-ACDC-32D2-9660D9D4DAD7}"/>
               </a:ext>
             </a:extLst>
           </p:cNvPr>
@@ -2003,7 +2003,7 @@
           <a:bodyPr/>
           <a:lstStyle/>
           <a:p>
-            <a:fld id="{27F655F8-9365-4EDE-947F-2C1B8722F448}" type="slidenum">
+            <a:fld id="{7F39682D-FDAC-43F1-BD1E-ADA49955D97F}" type="slidenum">
               <a:rPr lang="zh-CN" altLang="en-US" smtClean="0"/>
               <a:t>‹#›</a:t>
             </a:fld>
@@ -2014,7 +2014,7 @@
     </p:spTree>
     <p:extLst>
       <p:ext uri="{BB962C8B-B14F-4D97-AF65-F5344CB8AC3E}">
-        <p14:creationId xmlns:p14="http://schemas.microsoft.com/office/powerpoint/2010/main" val="3716617367"/>
+        <p14:creationId xmlns:p14="http://schemas.microsoft.com/office/powerpoint/2010/main" val="1828748536"/>
       </p:ext>
     </p:extLst>
   </p:cSld>
@@ -2046,7 +2046,7 @@
           <p:cNvPr id="2" name="日期占位符 1">
             <a:extLst>
               <a:ext uri="{FF2B5EF4-FFF2-40B4-BE49-F238E27FC236}">
-                <a16:creationId xmlns:a16="http://schemas.microsoft.com/office/drawing/2014/main" id="{CCCA50C1-C45A-190E-1E3A-738F9974080E}"/>
+                <a16:creationId xmlns:a16="http://schemas.microsoft.com/office/drawing/2014/main" id="{4C8E7320-E6F1-053D-8ACE-BEEC9B0B1B94}"/>
               </a:ext>
             </a:extLst>
           </p:cNvPr>
@@ -2062,7 +2062,7 @@
           <a:bodyPr/>
           <a:lstStyle/>
           <a:p>
-            <a:fld id="{32D8F250-968E-4781-8F56-7AE289B1EA3C}" type="datetimeFigureOut">
+            <a:fld id="{0E381FAE-6A67-4C59-B6F2-2B64516B6FC7}" type="datetimeFigureOut">
               <a:rPr lang="zh-CN" altLang="en-US" smtClean="0"/>
               <a:t>2024/3/10</a:t>
             </a:fld>
@@ -2075,7 +2075,7 @@
           <p:cNvPr id="3" name="页脚占位符 2">
             <a:extLst>
               <a:ext uri="{FF2B5EF4-FFF2-40B4-BE49-F238E27FC236}">
-                <a16:creationId xmlns:a16="http://schemas.microsoft.com/office/drawing/2014/main" id="{03D7C13A-F39B-F0EB-847D-D17C7A1E126B}"/>
+                <a16:creationId xmlns:a16="http://schemas.microsoft.com/office/drawing/2014/main" id="{085599F1-B6A5-2CD3-7985-7742801F60C9}"/>
               </a:ext>
             </a:extLst>
           </p:cNvPr>
@@ -2100,7 +2100,7 @@
           <p:cNvPr id="4" name="灯片编号占位符 3">
             <a:extLst>
               <a:ext uri="{FF2B5EF4-FFF2-40B4-BE49-F238E27FC236}">
-                <a16:creationId xmlns:a16="http://schemas.microsoft.com/office/drawing/2014/main" id="{31A3C642-D9EA-0648-56A7-09F46F447877}"/>
+                <a16:creationId xmlns:a16="http://schemas.microsoft.com/office/drawing/2014/main" id="{DFFA6BEC-A07C-DA73-4623-6131C9C478AF}"/>
               </a:ext>
             </a:extLst>
           </p:cNvPr>
@@ -2116,7 +2116,7 @@
           <a:bodyPr/>
           <a:lstStyle/>
           <a:p>
-            <a:fld id="{27F655F8-9365-4EDE-947F-2C1B8722F448}" type="slidenum">
+            <a:fld id="{7F39682D-FDAC-43F1-BD1E-ADA49955D97F}" type="slidenum">
               <a:rPr lang="zh-CN" altLang="en-US" smtClean="0"/>
               <a:t>‹#›</a:t>
             </a:fld>
@@ -2127,7 +2127,7 @@
     </p:spTree>
     <p:extLst>
       <p:ext uri="{BB962C8B-B14F-4D97-AF65-F5344CB8AC3E}">
-        <p14:creationId xmlns:p14="http://schemas.microsoft.com/office/powerpoint/2010/main" val="1512237179"/>
+        <p14:creationId xmlns:p14="http://schemas.microsoft.com/office/powerpoint/2010/main" val="2169125167"/>
       </p:ext>
     </p:extLst>
   </p:cSld>
@@ -2159,7 +2159,7 @@
           <p:cNvPr id="2" name="标题 1">
             <a:extLst>
               <a:ext uri="{FF2B5EF4-FFF2-40B4-BE49-F238E27FC236}">
-                <a16:creationId xmlns:a16="http://schemas.microsoft.com/office/drawing/2014/main" id="{743674A7-C523-CBD4-7733-90674FC21B1F}"/>
+                <a16:creationId xmlns:a16="http://schemas.microsoft.com/office/drawing/2014/main" id="{208DEF0E-F231-1D04-EA42-B44BB1ADC806}"/>
               </a:ext>
             </a:extLst>
           </p:cNvPr>
@@ -2196,7 +2196,7 @@
           <p:cNvPr id="3" name="内容占位符 2">
             <a:extLst>
               <a:ext uri="{FF2B5EF4-FFF2-40B4-BE49-F238E27FC236}">
-                <a16:creationId xmlns:a16="http://schemas.microsoft.com/office/drawing/2014/main" id="{EFBEB543-1B8A-94FA-3408-F005720D659A}"/>
+                <a16:creationId xmlns:a16="http://schemas.microsoft.com/office/drawing/2014/main" id="{1C43BC45-8508-DD87-BB19-7D9C4152088B}"/>
               </a:ext>
             </a:extLst>
           </p:cNvPr>
@@ -2286,7 +2286,7 @@
           <p:cNvPr id="4" name="文本占位符 3">
             <a:extLst>
               <a:ext uri="{FF2B5EF4-FFF2-40B4-BE49-F238E27FC236}">
-                <a16:creationId xmlns:a16="http://schemas.microsoft.com/office/drawing/2014/main" id="{53CEA47D-C06E-DAD5-1684-13B8CB53FFF7}"/>
+                <a16:creationId xmlns:a16="http://schemas.microsoft.com/office/drawing/2014/main" id="{9FD3C1C3-FE12-521E-B838-F3BF68C98493}"/>
               </a:ext>
             </a:extLst>
           </p:cNvPr>
@@ -2357,7 +2357,7 @@
           <p:cNvPr id="5" name="日期占位符 4">
             <a:extLst>
               <a:ext uri="{FF2B5EF4-FFF2-40B4-BE49-F238E27FC236}">
-                <a16:creationId xmlns:a16="http://schemas.microsoft.com/office/drawing/2014/main" id="{631F6878-2BD8-CBAD-0963-F981DE94ECB5}"/>
+                <a16:creationId xmlns:a16="http://schemas.microsoft.com/office/drawing/2014/main" id="{B75DCA2C-50D6-7E86-6988-D1B997842153}"/>
               </a:ext>
             </a:extLst>
           </p:cNvPr>
@@ -2373,7 +2373,7 @@
           <a:bodyPr/>
           <a:lstStyle/>
           <a:p>
-            <a:fld id="{32D8F250-968E-4781-8F56-7AE289B1EA3C}" type="datetimeFigureOut">
+            <a:fld id="{0E381FAE-6A67-4C59-B6F2-2B64516B6FC7}" type="datetimeFigureOut">
               <a:rPr lang="zh-CN" altLang="en-US" smtClean="0"/>
               <a:t>2024/3/10</a:t>
             </a:fld>
@@ -2386,7 +2386,7 @@
           <p:cNvPr id="6" name="页脚占位符 5">
             <a:extLst>
               <a:ext uri="{FF2B5EF4-FFF2-40B4-BE49-F238E27FC236}">
-                <a16:creationId xmlns:a16="http://schemas.microsoft.com/office/drawing/2014/main" id="{5A5F5678-3D44-CE06-55D8-FEECBEA030DB}"/>
+                <a16:creationId xmlns:a16="http://schemas.microsoft.com/office/drawing/2014/main" id="{99E420FD-9022-1674-8A14-7227D60544F0}"/>
               </a:ext>
             </a:extLst>
           </p:cNvPr>
@@ -2411,7 +2411,7 @@
           <p:cNvPr id="7" name="灯片编号占位符 6">
             <a:extLst>
               <a:ext uri="{FF2B5EF4-FFF2-40B4-BE49-F238E27FC236}">
-                <a16:creationId xmlns:a16="http://schemas.microsoft.com/office/drawing/2014/main" id="{2F48D010-31C1-3FE9-7F05-C4814FA22DD2}"/>
+                <a16:creationId xmlns:a16="http://schemas.microsoft.com/office/drawing/2014/main" id="{34CCDDFD-24E4-4B7B-A601-FC6E2E30843B}"/>
               </a:ext>
             </a:extLst>
           </p:cNvPr>
@@ -2427,7 +2427,7 @@
           <a:bodyPr/>
           <a:lstStyle/>
           <a:p>
-            <a:fld id="{27F655F8-9365-4EDE-947F-2C1B8722F448}" type="slidenum">
+            <a:fld id="{7F39682D-FDAC-43F1-BD1E-ADA49955D97F}" type="slidenum">
               <a:rPr lang="zh-CN" altLang="en-US" smtClean="0"/>
               <a:t>‹#›</a:t>
             </a:fld>
@@ -2438,7 +2438,7 @@
     </p:spTree>
     <p:extLst>
       <p:ext uri="{BB962C8B-B14F-4D97-AF65-F5344CB8AC3E}">
-        <p14:creationId xmlns:p14="http://schemas.microsoft.com/office/powerpoint/2010/main" val="2410916238"/>
+        <p14:creationId xmlns:p14="http://schemas.microsoft.com/office/powerpoint/2010/main" val="1723834337"/>
       </p:ext>
     </p:extLst>
   </p:cSld>
@@ -2470,7 +2470,7 @@
           <p:cNvPr id="2" name="标题 1">
             <a:extLst>
               <a:ext uri="{FF2B5EF4-FFF2-40B4-BE49-F238E27FC236}">
-                <a16:creationId xmlns:a16="http://schemas.microsoft.com/office/drawing/2014/main" id="{77142D66-0EE3-D681-91F8-7D397BA7F221}"/>
+                <a16:creationId xmlns:a16="http://schemas.microsoft.com/office/drawing/2014/main" id="{F9E45C45-B515-D908-10C4-453A9C6AB48B}"/>
               </a:ext>
             </a:extLst>
           </p:cNvPr>
@@ -2507,7 +2507,7 @@
           <p:cNvPr id="3" name="图片占位符 2">
             <a:extLst>
               <a:ext uri="{FF2B5EF4-FFF2-40B4-BE49-F238E27FC236}">
-                <a16:creationId xmlns:a16="http://schemas.microsoft.com/office/drawing/2014/main" id="{42063609-6B48-BADF-FF9C-D19A0D9DE536}"/>
+                <a16:creationId xmlns:a16="http://schemas.microsoft.com/office/drawing/2014/main" id="{50934AEA-D08C-316C-FAE8-71D9CC2F5EC1}"/>
               </a:ext>
             </a:extLst>
           </p:cNvPr>
@@ -2574,7 +2574,7 @@
           <p:cNvPr id="4" name="文本占位符 3">
             <a:extLst>
               <a:ext uri="{FF2B5EF4-FFF2-40B4-BE49-F238E27FC236}">
-                <a16:creationId xmlns:a16="http://schemas.microsoft.com/office/drawing/2014/main" id="{D3B083C0-CFB7-6751-EA45-9A264098B20E}"/>
+                <a16:creationId xmlns:a16="http://schemas.microsoft.com/office/drawing/2014/main" id="{2A63D77C-2062-875C-DF8B-2F8483A4AC25}"/>
               </a:ext>
             </a:extLst>
           </p:cNvPr>
@@ -2645,7 +2645,7 @@
           <p:cNvPr id="5" name="日期占位符 4">
             <a:extLst>
               <a:ext uri="{FF2B5EF4-FFF2-40B4-BE49-F238E27FC236}">
-                <a16:creationId xmlns:a16="http://schemas.microsoft.com/office/drawing/2014/main" id="{3AE676A7-9462-D020-5814-F8FE06F1BCD9}"/>
+                <a16:creationId xmlns:a16="http://schemas.microsoft.com/office/drawing/2014/main" id="{634CE0FE-8E18-64D4-6B24-680CA8C3880F}"/>
               </a:ext>
             </a:extLst>
           </p:cNvPr>
@@ -2661,7 +2661,7 @@
           <a:bodyPr/>
           <a:lstStyle/>
           <a:p>
-            <a:fld id="{32D8F250-968E-4781-8F56-7AE289B1EA3C}" type="datetimeFigureOut">
+            <a:fld id="{0E381FAE-6A67-4C59-B6F2-2B64516B6FC7}" type="datetimeFigureOut">
               <a:rPr lang="zh-CN" altLang="en-US" smtClean="0"/>
               <a:t>2024/3/10</a:t>
             </a:fld>
@@ -2674,7 +2674,7 @@
           <p:cNvPr id="6" name="页脚占位符 5">
             <a:extLst>
               <a:ext uri="{FF2B5EF4-FFF2-40B4-BE49-F238E27FC236}">
-                <a16:creationId xmlns:a16="http://schemas.microsoft.com/office/drawing/2014/main" id="{D3BB2BE8-9703-C428-F595-AF222F65B454}"/>
+                <a16:creationId xmlns:a16="http://schemas.microsoft.com/office/drawing/2014/main" id="{1DE53080-C442-9085-CBF9-A7DFFF5FFD5A}"/>
               </a:ext>
             </a:extLst>
           </p:cNvPr>
@@ -2699,7 +2699,7 @@
           <p:cNvPr id="7" name="灯片编号占位符 6">
             <a:extLst>
               <a:ext uri="{FF2B5EF4-FFF2-40B4-BE49-F238E27FC236}">
-                <a16:creationId xmlns:a16="http://schemas.microsoft.com/office/drawing/2014/main" id="{BA62C80C-E8D7-8A9F-05FA-D1F100D311FC}"/>
+                <a16:creationId xmlns:a16="http://schemas.microsoft.com/office/drawing/2014/main" id="{167FEBF7-24CE-E26F-ADB7-42D94E743A05}"/>
               </a:ext>
             </a:extLst>
           </p:cNvPr>
@@ -2715,7 +2715,7 @@
           <a:bodyPr/>
           <a:lstStyle/>
           <a:p>
-            <a:fld id="{27F655F8-9365-4EDE-947F-2C1B8722F448}" type="slidenum">
+            <a:fld id="{7F39682D-FDAC-43F1-BD1E-ADA49955D97F}" type="slidenum">
               <a:rPr lang="zh-CN" altLang="en-US" smtClean="0"/>
               <a:t>‹#›</a:t>
             </a:fld>
@@ -2726,7 +2726,7 @@
     </p:spTree>
     <p:extLst>
       <p:ext uri="{BB962C8B-B14F-4D97-AF65-F5344CB8AC3E}">
-        <p14:creationId xmlns:p14="http://schemas.microsoft.com/office/powerpoint/2010/main" val="41733817"/>
+        <p14:creationId xmlns:p14="http://schemas.microsoft.com/office/powerpoint/2010/main" val="1620445390"/>
       </p:ext>
     </p:extLst>
   </p:cSld>
@@ -2763,7 +2763,7 @@
           <p:cNvPr id="2" name="标题占位符 1">
             <a:extLst>
               <a:ext uri="{FF2B5EF4-FFF2-40B4-BE49-F238E27FC236}">
-                <a16:creationId xmlns:a16="http://schemas.microsoft.com/office/drawing/2014/main" id="{08B4668E-58F3-0154-B3B3-5A6D7766EDA8}"/>
+                <a16:creationId xmlns:a16="http://schemas.microsoft.com/office/drawing/2014/main" id="{A3BB2C7C-FCC0-827D-1653-681DBE95C76C}"/>
               </a:ext>
             </a:extLst>
           </p:cNvPr>
@@ -2801,7 +2801,7 @@
           <p:cNvPr id="3" name="文本占位符 2">
             <a:extLst>
               <a:ext uri="{FF2B5EF4-FFF2-40B4-BE49-F238E27FC236}">
-                <a16:creationId xmlns:a16="http://schemas.microsoft.com/office/drawing/2014/main" id="{B6A3BD1E-E992-C14F-D03B-B5539D920F0E}"/>
+                <a16:creationId xmlns:a16="http://schemas.microsoft.com/office/drawing/2014/main" id="{59A265AC-4A2E-2794-6D2E-6B0701B61B73}"/>
               </a:ext>
             </a:extLst>
           </p:cNvPr>
@@ -2868,7 +2868,7 @@
           <p:cNvPr id="4" name="日期占位符 3">
             <a:extLst>
               <a:ext uri="{FF2B5EF4-FFF2-40B4-BE49-F238E27FC236}">
-                <a16:creationId xmlns:a16="http://schemas.microsoft.com/office/drawing/2014/main" id="{1B19BB43-11B4-61C0-1F8F-88B7DEE8BCEC}"/>
+                <a16:creationId xmlns:a16="http://schemas.microsoft.com/office/drawing/2014/main" id="{352BD3F2-17C8-58BB-C60E-62ABDCB4FF78}"/>
               </a:ext>
             </a:extLst>
           </p:cNvPr>
@@ -2902,7 +2902,7 @@
             </a:lvl1pPr>
           </a:lstStyle>
           <a:p>
-            <a:fld id="{32D8F250-968E-4781-8F56-7AE289B1EA3C}" type="datetimeFigureOut">
+            <a:fld id="{0E381FAE-6A67-4C59-B6F2-2B64516B6FC7}" type="datetimeFigureOut">
               <a:rPr lang="zh-CN" altLang="en-US" smtClean="0"/>
               <a:t>2024/3/10</a:t>
             </a:fld>
@@ -2915,7 +2915,7 @@
           <p:cNvPr id="5" name="页脚占位符 4">
             <a:extLst>
               <a:ext uri="{FF2B5EF4-FFF2-40B4-BE49-F238E27FC236}">
-                <a16:creationId xmlns:a16="http://schemas.microsoft.com/office/drawing/2014/main" id="{47ADF327-BBAA-3754-B906-AD7CFF2B75A6}"/>
+                <a16:creationId xmlns:a16="http://schemas.microsoft.com/office/drawing/2014/main" id="{E67E6C8E-7FC9-8991-5A23-1F29FD380475}"/>
               </a:ext>
             </a:extLst>
           </p:cNvPr>
@@ -2958,7 +2958,7 @@
           <p:cNvPr id="6" name="灯片编号占位符 5">
             <a:extLst>
               <a:ext uri="{FF2B5EF4-FFF2-40B4-BE49-F238E27FC236}">
-                <a16:creationId xmlns:a16="http://schemas.microsoft.com/office/drawing/2014/main" id="{F359299B-EB64-11A1-4553-EF861CE2C8F9}"/>
+                <a16:creationId xmlns:a16="http://schemas.microsoft.com/office/drawing/2014/main" id="{DDCE6EC2-EF2E-9617-0E86-D81C4FCF9832}"/>
               </a:ext>
             </a:extLst>
           </p:cNvPr>
@@ -2992,7 +2992,7 @@
             </a:lvl1pPr>
           </a:lstStyle>
           <a:p>
-            <a:fld id="{27F655F8-9365-4EDE-947F-2C1B8722F448}" type="slidenum">
+            <a:fld id="{7F39682D-FDAC-43F1-BD1E-ADA49955D97F}" type="slidenum">
               <a:rPr lang="zh-CN" altLang="en-US" smtClean="0"/>
               <a:t>‹#›</a:t>
             </a:fld>
@@ -3003,7 +3003,7 @@
     </p:spTree>
     <p:extLst>
       <p:ext uri="{BB962C8B-B14F-4D97-AF65-F5344CB8AC3E}">
-        <p14:creationId xmlns:p14="http://schemas.microsoft.com/office/powerpoint/2010/main" val="1702899279"/>
+        <p14:creationId xmlns:p14="http://schemas.microsoft.com/office/powerpoint/2010/main" val="1633804924"/>
       </p:ext>
     </p:extLst>
   </p:cSld>
@@ -3323,7 +3323,7 @@
       </p:grpSpPr>
       <p:pic>
         <p:nvPicPr>
-          <p:cNvPr id="276482" name="Picture 2" descr="269"/>
+          <p:cNvPr id="277506" name="Picture 2" descr="270"/>
           <p:cNvPicPr>
             <a:picLocks noChangeAspect="1" noChangeArrowheads="1"/>
           </p:cNvPicPr>
@@ -3375,158 +3375,11 @@
           </a:extLst>
         </p:spPr>
       </p:pic>
-      <p:pic>
-        <p:nvPicPr>
-          <p:cNvPr id="277507" name="Picture 3" descr="269-2"/>
-          <p:cNvPicPr>
-            <a:picLocks noChangeAspect="1" noChangeArrowheads="1"/>
-          </p:cNvPicPr>
-          <p:nvPr/>
-        </p:nvPicPr>
-        <p:blipFill>
-          <a:blip r:embed="rId3">
-            <a:extLst>
-              <a:ext uri="{28A0092B-C50C-407E-A947-70E740481C1C}">
-                <a14:useLocalDpi xmlns:a14="http://schemas.microsoft.com/office/drawing/2010/main" val="0"/>
-              </a:ext>
-            </a:extLst>
-          </a:blip>
-          <a:srcRect/>
-          <a:stretch>
-            <a:fillRect/>
-          </a:stretch>
-        </p:blipFill>
-        <p:spPr bwMode="auto">
-          <a:xfrm>
-            <a:off x="1524000" y="0"/>
-            <a:ext cx="9144000" cy="6858000"/>
-          </a:xfrm>
-          <a:prstGeom prst="rect">
-            <a:avLst/>
-          </a:prstGeom>
-          <a:noFill/>
-          <a:ln>
-            <a:noFill/>
-          </a:ln>
-          <a:effectLst/>
-          <a:extLst>
-            <a:ext uri="{909E8E84-426E-40DD-AFC4-6F175D3DCCD1}">
-              <a14:hiddenFill xmlns:a14="http://schemas.microsoft.com/office/drawing/2010/main">
-                <a:solidFill>
-                  <a:srgbClr val="FFFFFF"/>
-                </a:solidFill>
-              </a14:hiddenFill>
-            </a:ext>
-            <a:ext uri="{91240B29-F687-4F45-9708-019B960494DF}">
-              <a14:hiddenLine xmlns:a14="http://schemas.microsoft.com/office/drawing/2010/main" w="9525">
-                <a:solidFill>
-                  <a:srgbClr val="000000"/>
-                </a:solidFill>
-                <a:miter lim="800000"/>
-                <a:headEnd/>
-                <a:tailEnd/>
-              </a14:hiddenLine>
-            </a:ext>
-            <a:ext uri="{AF507438-7753-43E0-B8FC-AC1667EBCBE1}">
-              <a14:hiddenEffects xmlns:a14="http://schemas.microsoft.com/office/drawing/2010/main">
-                <a:effectLst>
-                  <a:outerShdw dist="35921" dir="2700000" algn="ctr" rotWithShape="0">
-                    <a:srgbClr val="808080"/>
-                  </a:outerShdw>
-                </a:effectLst>
-              </a14:hiddenEffects>
-            </a:ext>
-          </a:extLst>
-        </p:spPr>
-      </p:pic>
     </p:spTree>
   </p:cSld>
   <p:clrMapOvr>
     <a:masterClrMapping/>
   </p:clrMapOvr>
-  <p:timing>
-    <p:tnLst>
-      <p:par>
-        <p:cTn id="1" dur="indefinite" restart="never" nodeType="tmRoot">
-          <p:childTnLst>
-            <p:seq concurrent="1" nextAc="seek">
-              <p:cTn id="2" dur="indefinite" nodeType="mainSeq">
-                <p:childTnLst>
-                  <p:par>
-                    <p:cTn id="3" fill="hold" nodeType="clickPar">
-                      <p:stCondLst>
-                        <p:cond delay="indefinite"/>
-                      </p:stCondLst>
-                      <p:childTnLst>
-                        <p:par>
-                          <p:cTn id="4" fill="hold" nodeType="withGroup">
-                            <p:stCondLst>
-                              <p:cond delay="0"/>
-                            </p:stCondLst>
-                            <p:childTnLst>
-                              <p:par>
-                                <p:cTn id="5" presetID="10" presetClass="entr" presetSubtype="0" fill="hold" nodeType="clickEffect">
-                                  <p:stCondLst>
-                                    <p:cond delay="0"/>
-                                  </p:stCondLst>
-                                  <p:childTnLst>
-                                    <p:set>
-                                      <p:cBhvr>
-                                        <p:cTn id="6" dur="1" fill="hold">
-                                          <p:stCondLst>
-                                            <p:cond delay="0"/>
-                                          </p:stCondLst>
-                                        </p:cTn>
-                                        <p:tgtEl>
-                                          <p:spTgt spid="277507"/>
-                                        </p:tgtEl>
-                                        <p:attrNameLst>
-                                          <p:attrName>style.visibility</p:attrName>
-                                        </p:attrNameLst>
-                                      </p:cBhvr>
-                                      <p:to>
-                                        <p:strVal val="visible"/>
-                                      </p:to>
-                                    </p:set>
-                                    <p:animEffect transition="in" filter="fade">
-                                      <p:cBhvr>
-                                        <p:cTn id="7" dur="500"/>
-                                        <p:tgtEl>
-                                          <p:spTgt spid="277507"/>
-                                        </p:tgtEl>
-                                      </p:cBhvr>
-                                    </p:animEffect>
-                                  </p:childTnLst>
-                                </p:cTn>
-                              </p:par>
-                            </p:childTnLst>
-                          </p:cTn>
-                        </p:par>
-                      </p:childTnLst>
-                    </p:cTn>
-                  </p:par>
-                </p:childTnLst>
-              </p:cTn>
-              <p:prevCondLst>
-                <p:cond evt="onPrev" delay="0">
-                  <p:tgtEl>
-                    <p:sldTgt/>
-                  </p:tgtEl>
-                </p:cond>
-              </p:prevCondLst>
-              <p:nextCondLst>
-                <p:cond evt="onNext" delay="0">
-                  <p:tgtEl>
-                    <p:sldTgt/>
-                  </p:tgtEl>
-                </p:cond>
-              </p:nextCondLst>
-            </p:seq>
-          </p:childTnLst>
-        </p:cTn>
-      </p:par>
-    </p:tnLst>
-  </p:timing>
 </p:sld>
 </file>
 
